--- a/TermProject_중간보고/201511837_이상민_1st Progress Report.pptx
+++ b/TermProject_중간보고/201511837_이상민_1st Progress Report.pptx
@@ -247,7 +247,7 @@
               <a:pPr lvl="0">
                 <a:defRPr/>
               </a:pPr>
-              <a:t>2021-11-10</a:t>
+              <a:t>2021-11-17</a:t>
             </a:fld>
             <a:endParaRPr lang="ko-KR" altLang="en-US"/>
           </a:p>
@@ -782,7 +782,7 @@
           <a:p>
             <a:fld id="{1D8BD707-D9CF-40AE-B4C6-C98DA3205C09}" type="datetimeFigureOut">
               <a:rPr lang="en-US"/>
-              <a:t>11/10/2021</a:t>
+              <a:t>11/17/2021</a:t>
             </a:fld>
             <a:endParaRPr lang="en-US"/>
           </a:p>
@@ -957,7 +957,7 @@
           <a:p>
             <a:fld id="{1D8BD707-D9CF-40AE-B4C6-C98DA3205C09}" type="datetimeFigureOut">
               <a:rPr lang="en-US"/>
-              <a:t>11/10/2021</a:t>
+              <a:t>11/17/2021</a:t>
             </a:fld>
             <a:endParaRPr lang="en-US"/>
           </a:p>
@@ -1171,7 +1171,7 @@
           <a:p>
             <a:fld id="{1D8BD707-D9CF-40AE-B4C6-C98DA3205C09}" type="datetimeFigureOut">
               <a:rPr lang="en-US"/>
-              <a:t>11/10/2021</a:t>
+              <a:t>11/17/2021</a:t>
             </a:fld>
             <a:endParaRPr lang="en-US"/>
           </a:p>
@@ -1319,7 +1319,7 @@
           <a:p>
             <a:fld id="{1D8BD707-D9CF-40AE-B4C6-C98DA3205C09}" type="datetimeFigureOut">
               <a:rPr lang="en-US"/>
-              <a:t>11/10/2021</a:t>
+              <a:t>11/17/2021</a:t>
             </a:fld>
             <a:endParaRPr lang="en-US"/>
           </a:p>
@@ -1438,7 +1438,7 @@
           <a:p>
             <a:fld id="{1D8BD707-D9CF-40AE-B4C6-C98DA3205C09}" type="datetimeFigureOut">
               <a:rPr lang="en-US"/>
-              <a:t>11/10/2021</a:t>
+              <a:t>11/17/2021</a:t>
             </a:fld>
             <a:endParaRPr lang="en-US"/>
           </a:p>
@@ -1661,7 +1661,7 @@
           <a:p>
             <a:fld id="{1D8BD707-D9CF-40AE-B4C6-C98DA3205C09}" type="datetimeFigureOut">
               <a:rPr lang="en-US"/>
-              <a:t>11/10/2021</a:t>
+              <a:t>11/17/2021</a:t>
             </a:fld>
             <a:endParaRPr lang="en-US"/>
           </a:p>
@@ -2281,7 +2281,7 @@
     <mc:Choice Requires="p14">
       <p:transition/>
     </mc:Choice>
-    <mc:Fallback xmlns="" xmlns:c="http://schemas.openxmlformats.org/drawingml/2006/chart" xmlns:dgm="http://schemas.openxmlformats.org/drawingml/2006/diagram" xmlns:dsp="http://schemas.microsoft.com/office/drawing/2008/diagram">
+    <mc:Fallback xmlns:dsp="http://schemas.microsoft.com/office/drawing/2008/diagram" xmlns:dgm="http://schemas.openxmlformats.org/drawingml/2006/diagram" xmlns:c="http://schemas.openxmlformats.org/drawingml/2006/chart" xmlns="">
       <p:transition/>
     </mc:Fallback>
   </mc:AlternateContent>
@@ -2363,7 +2363,7 @@
         <p:spPr>
           <a:xfrm>
             <a:off x="1019728" y="1962721"/>
-            <a:ext cx="18176322" cy="5663089"/>
+            <a:ext cx="18176322" cy="8366393"/>
           </a:xfrm>
           <a:prstGeom prst="rect">
             <a:avLst/>
@@ -2657,7 +2657,80 @@
                 <a:latin typeface="나눔고딕OTF ExtraBold"/>
                 <a:cs typeface="나눔고딕OTF ExtraBold"/>
               </a:rPr>
-              <a:t> 추가 학습</a:t>
+              <a:t> 추가 </a:t>
+            </a:r>
+            <a:r>
+              <a:rPr lang="ko-KR" altLang="en-US" sz="4350" spc="-325" dirty="0" smtClean="0">
+                <a:latin typeface="나눔고딕OTF ExtraBold"/>
+                <a:cs typeface="나눔고딕OTF ExtraBold"/>
+              </a:rPr>
+              <a:t>학습</a:t>
+            </a:r>
+            <a:endParaRPr lang="en-US" altLang="ko-KR" sz="4350" spc="-325" dirty="0" smtClean="0">
+              <a:latin typeface="나눔고딕OTF ExtraBold"/>
+              <a:cs typeface="나눔고딕OTF ExtraBold"/>
+            </a:endParaRPr>
+          </a:p>
+          <a:p>
+            <a:pPr marL="12700">
+              <a:spcBef>
+                <a:spcPts val="104"/>
+              </a:spcBef>
+              <a:buClr>
+                <a:schemeClr val="tx1"/>
+              </a:buClr>
+              <a:buNone/>
+              <a:defRPr/>
+            </a:pPr>
+            <a:endParaRPr lang="en-US" altLang="ko-KR" sz="4350" spc="-325" dirty="0">
+              <a:latin typeface="나눔고딕OTF ExtraBold"/>
+              <a:cs typeface="나눔고딕OTF ExtraBold"/>
+            </a:endParaRPr>
+          </a:p>
+          <a:p>
+            <a:pPr marL="12700">
+              <a:spcBef>
+                <a:spcPts val="104"/>
+              </a:spcBef>
+              <a:buClr>
+                <a:schemeClr val="tx1"/>
+              </a:buClr>
+              <a:buNone/>
+              <a:defRPr/>
+            </a:pPr>
+            <a:r>
+              <a:rPr lang="ko-KR" altLang="en-US" sz="4350" spc="-325" dirty="0" smtClean="0">
+                <a:latin typeface="나눔고딕OTF ExtraBold"/>
+                <a:cs typeface="나눔고딕OTF ExtraBold"/>
+              </a:rPr>
+              <a:t>학습에 참고한 </a:t>
+            </a:r>
+            <a:r>
+              <a:rPr lang="en-US" altLang="ko-KR" sz="4350" spc="-325" dirty="0" smtClean="0">
+                <a:latin typeface="나눔고딕OTF ExtraBold"/>
+                <a:cs typeface="나눔고딕OTF ExtraBold"/>
+              </a:rPr>
+              <a:t>Code Ref </a:t>
+            </a:r>
+            <a:br>
+              <a:rPr lang="en-US" altLang="ko-KR" sz="4350" spc="-325" dirty="0" smtClean="0">
+                <a:latin typeface="나눔고딕OTF ExtraBold"/>
+                <a:cs typeface="나눔고딕OTF ExtraBold"/>
+              </a:rPr>
+            </a:br>
+            <a:r>
+              <a:rPr lang="en-US" altLang="ko-KR" sz="4350" spc="-325" dirty="0" smtClean="0">
+                <a:latin typeface="나눔고딕OTF ExtraBold"/>
+                <a:cs typeface="나눔고딕OTF ExtraBold"/>
+              </a:rPr>
+              <a:t>: </a:t>
+            </a:r>
+            <a:r>
+              <a:rPr lang="en-US" altLang="ko-KR" sz="4350" spc="-325" dirty="0">
+                <a:latin typeface="나눔고딕OTF ExtraBold"/>
+                <a:cs typeface="나눔고딕OTF ExtraBold"/>
+              </a:rPr>
+              <a:t>https://dphi.tech/notebooks/1680/akashkewar/xception-architecture-with-imagenet-finetuned-on-kaggle-dataset</a:t>
             </a:r>
             <a:endParaRPr lang="en-US" altLang="ko-KR" sz="4350" spc="-325" dirty="0" smtClean="0">
               <a:latin typeface="나눔고딕OTF ExtraBold"/>
@@ -2742,7 +2815,7 @@
     <mc:Choice Requires="p14">
       <p:transition/>
     </mc:Choice>
-    <mc:Fallback xmlns="" xmlns:c="http://schemas.openxmlformats.org/drawingml/2006/chart" xmlns:dgm="http://schemas.openxmlformats.org/drawingml/2006/diagram" xmlns:dsp="http://schemas.microsoft.com/office/drawing/2008/diagram">
+    <mc:Fallback xmlns:dsp="http://schemas.microsoft.com/office/drawing/2008/diagram" xmlns:dgm="http://schemas.openxmlformats.org/drawingml/2006/diagram" xmlns:c="http://schemas.openxmlformats.org/drawingml/2006/chart" xmlns="">
       <p:transition/>
     </mc:Fallback>
   </mc:AlternateContent>
@@ -3660,19 +3733,7 @@
               <a:rPr lang="en-US" altLang="ko-KR" dirty="0" smtClean="0">
                 <a:latin typeface="+mn-ea"/>
               </a:rPr>
-              <a:t> </a:t>
-            </a:r>
-            <a:r>
-              <a:rPr lang="en-US" altLang="ko-KR" dirty="0" smtClean="0">
-                <a:latin typeface="+mn-ea"/>
-              </a:rPr>
-              <a:t> ├─</a:t>
-            </a:r>
-            <a:r>
-              <a:rPr lang="en-US" altLang="ko-KR" dirty="0" smtClean="0">
-                <a:latin typeface="+mn-ea"/>
-              </a:rPr>
-              <a:t>0 (328)</a:t>
+              <a:t>  ├─0 (328)</a:t>
             </a:r>
             <a:endParaRPr lang="en-US" altLang="ko-KR" dirty="0">
               <a:latin typeface="+mn-ea"/>
@@ -3689,19 +3750,7 @@
               <a:rPr lang="en-US" altLang="ko-KR" dirty="0" smtClean="0">
                 <a:latin typeface="+mn-ea"/>
               </a:rPr>
-              <a:t> </a:t>
-            </a:r>
-            <a:r>
-              <a:rPr lang="en-US" altLang="ko-KR" dirty="0" smtClean="0">
-                <a:latin typeface="+mn-ea"/>
-              </a:rPr>
-              <a:t> ├─</a:t>
-            </a:r>
-            <a:r>
-              <a:rPr lang="en-US" altLang="ko-KR" dirty="0" smtClean="0">
-                <a:latin typeface="+mn-ea"/>
-              </a:rPr>
-              <a:t>1 (153)</a:t>
+              <a:t>  ├─1 (153)</a:t>
             </a:r>
             <a:endParaRPr lang="en-US" altLang="ko-KR" dirty="0">
               <a:latin typeface="+mn-ea"/>
@@ -3718,19 +3767,7 @@
               <a:rPr lang="en-US" altLang="ko-KR" dirty="0" smtClean="0">
                 <a:latin typeface="+mn-ea"/>
               </a:rPr>
-              <a:t> </a:t>
-            </a:r>
-            <a:r>
-              <a:rPr lang="en-US" altLang="ko-KR" dirty="0" smtClean="0">
-                <a:latin typeface="+mn-ea"/>
-              </a:rPr>
-              <a:t> ├─</a:t>
-            </a:r>
-            <a:r>
-              <a:rPr lang="en-US" altLang="ko-KR" dirty="0" smtClean="0">
-                <a:latin typeface="+mn-ea"/>
-              </a:rPr>
-              <a:t>2 (212)</a:t>
+              <a:t>  ├─2 (212)</a:t>
             </a:r>
             <a:endParaRPr lang="en-US" altLang="ko-KR" dirty="0">
               <a:latin typeface="+mn-ea"/>
@@ -3747,19 +3784,7 @@
               <a:rPr lang="en-US" altLang="ko-KR" dirty="0" smtClean="0">
                 <a:latin typeface="+mn-ea"/>
               </a:rPr>
-              <a:t> </a:t>
-            </a:r>
-            <a:r>
-              <a:rPr lang="en-US" altLang="ko-KR" dirty="0" smtClean="0">
-                <a:latin typeface="+mn-ea"/>
-              </a:rPr>
-              <a:t> ├─</a:t>
-            </a:r>
-            <a:r>
-              <a:rPr lang="en-US" altLang="ko-KR" dirty="0" smtClean="0">
-                <a:latin typeface="+mn-ea"/>
-              </a:rPr>
-              <a:t>3 (106)</a:t>
+              <a:t>  ├─3 (106)</a:t>
             </a:r>
             <a:endParaRPr lang="en-US" altLang="ko-KR" dirty="0">
               <a:latin typeface="+mn-ea"/>
@@ -3776,19 +3801,7 @@
               <a:rPr lang="en-US" altLang="ko-KR" dirty="0" smtClean="0">
                 <a:latin typeface="+mn-ea"/>
               </a:rPr>
-              <a:t>     </a:t>
-            </a:r>
-            <a:r>
-              <a:rPr lang="en-US" altLang="ko-KR" dirty="0" smtClean="0">
-                <a:latin typeface="+mn-ea"/>
-              </a:rPr>
-              <a:t> └─</a:t>
-            </a:r>
-            <a:r>
-              <a:rPr lang="en-US" altLang="ko-KR" dirty="0" smtClean="0">
-                <a:latin typeface="+mn-ea"/>
-              </a:rPr>
-              <a:t>4 (27)</a:t>
+              <a:t>      └─4 (27)</a:t>
             </a:r>
             <a:endParaRPr lang="ko-KR" altLang="en-US" dirty="0">
               <a:latin typeface="+mn-ea"/>
@@ -3805,7 +3818,7 @@
     <mc:Choice Requires="p14">
       <p:transition/>
     </mc:Choice>
-    <mc:Fallback xmlns="" xmlns:c="http://schemas.openxmlformats.org/drawingml/2006/chart" xmlns:dgm="http://schemas.openxmlformats.org/drawingml/2006/diagram" xmlns:dsp="http://schemas.microsoft.com/office/drawing/2008/diagram">
+    <mc:Fallback xmlns:dsp="http://schemas.microsoft.com/office/drawing/2008/diagram" xmlns:dgm="http://schemas.openxmlformats.org/drawingml/2006/diagram" xmlns:c="http://schemas.openxmlformats.org/drawingml/2006/chart" xmlns="">
       <p:transition/>
     </mc:Fallback>
   </mc:AlternateContent>
@@ -4389,7 +4402,7 @@
     <mc:Choice Requires="p14">
       <p:transition/>
     </mc:Choice>
-    <mc:Fallback xmlns="" xmlns:c="http://schemas.openxmlformats.org/drawingml/2006/chart" xmlns:dgm="http://schemas.openxmlformats.org/drawingml/2006/diagram" xmlns:dsp="http://schemas.microsoft.com/office/drawing/2008/diagram">
+    <mc:Fallback xmlns:dsp="http://schemas.microsoft.com/office/drawing/2008/diagram" xmlns:dgm="http://schemas.openxmlformats.org/drawingml/2006/diagram" xmlns:c="http://schemas.openxmlformats.org/drawingml/2006/chart" xmlns="">
       <p:transition/>
     </mc:Fallback>
   </mc:AlternateContent>
@@ -6089,7 +6102,7 @@
     <mc:Choice Requires="p14">
       <p:transition/>
     </mc:Choice>
-    <mc:Fallback xmlns="" xmlns:c="http://schemas.openxmlformats.org/drawingml/2006/chart" xmlns:dgm="http://schemas.openxmlformats.org/drawingml/2006/diagram" xmlns:dsp="http://schemas.microsoft.com/office/drawing/2008/diagram">
+    <mc:Fallback xmlns:dsp="http://schemas.microsoft.com/office/drawing/2008/diagram" xmlns:dgm="http://schemas.openxmlformats.org/drawingml/2006/diagram" xmlns:c="http://schemas.openxmlformats.org/drawingml/2006/chart" xmlns="">
       <p:transition/>
     </mc:Fallback>
   </mc:AlternateContent>
@@ -9501,7 +9514,7 @@
     <mc:Choice Requires="p14">
       <p:transition/>
     </mc:Choice>
-    <mc:Fallback xmlns="" xmlns:c="http://schemas.openxmlformats.org/drawingml/2006/chart" xmlns:dgm="http://schemas.openxmlformats.org/drawingml/2006/diagram" xmlns:dsp="http://schemas.microsoft.com/office/drawing/2008/diagram">
+    <mc:Fallback xmlns:dsp="http://schemas.microsoft.com/office/drawing/2008/diagram" xmlns:dgm="http://schemas.openxmlformats.org/drawingml/2006/diagram" xmlns:c="http://schemas.openxmlformats.org/drawingml/2006/chart" xmlns="">
       <p:transition/>
     </mc:Fallback>
   </mc:AlternateContent>
@@ -9820,7 +9833,7 @@
     <mc:Choice Requires="p14">
       <p:transition/>
     </mc:Choice>
-    <mc:Fallback xmlns="" xmlns:c="http://schemas.openxmlformats.org/drawingml/2006/chart" xmlns:dgm="http://schemas.openxmlformats.org/drawingml/2006/diagram" xmlns:dsp="http://schemas.microsoft.com/office/drawing/2008/diagram">
+    <mc:Fallback xmlns:dsp="http://schemas.microsoft.com/office/drawing/2008/diagram" xmlns:dgm="http://schemas.openxmlformats.org/drawingml/2006/diagram" xmlns:c="http://schemas.openxmlformats.org/drawingml/2006/chart" xmlns="">
       <p:transition/>
     </mc:Fallback>
   </mc:AlternateContent>
@@ -10189,6 +10202,36 @@
           </a:p>
         </p:txBody>
       </p:sp>
+      <p:sp>
+        <p:nvSpPr>
+          <p:cNvPr id="7" name="TextBox 6"/>
+          <p:cNvSpPr txBox="1"/>
+          <p:nvPr/>
+        </p:nvSpPr>
+        <p:spPr>
+          <a:xfrm flipH="1">
+            <a:off x="3298487" y="10249680"/>
+            <a:ext cx="5105400" cy="369332"/>
+          </a:xfrm>
+          <a:prstGeom prst="rect">
+            <a:avLst/>
+          </a:prstGeom>
+          <a:noFill/>
+        </p:spPr>
+        <p:txBody>
+          <a:bodyPr wrap="square" rtlCol="0">
+            <a:spAutoFit/>
+          </a:bodyPr>
+          <a:lstStyle/>
+          <a:p>
+            <a:r>
+              <a:rPr lang="en-US" altLang="ko-KR" dirty="0"/>
+              <a:t>Image Ref : https://jeonsworld.github.io/vision/vit/ </a:t>
+            </a:r>
+            <a:endParaRPr lang="ko-KR" altLang="en-US" dirty="0"/>
+          </a:p>
+        </p:txBody>
+      </p:sp>
     </p:spTree>
   </p:cSld>
   <p:clrMapOvr>
@@ -10198,7 +10241,7 @@
     <mc:Choice Requires="p14">
       <p:transition/>
     </mc:Choice>
-    <mc:Fallback xmlns="" xmlns:c="http://schemas.openxmlformats.org/drawingml/2006/chart" xmlns:dgm="http://schemas.openxmlformats.org/drawingml/2006/diagram" xmlns:dsp="http://schemas.microsoft.com/office/drawing/2008/diagram">
+    <mc:Fallback xmlns:dsp="http://schemas.microsoft.com/office/drawing/2008/diagram" xmlns:dgm="http://schemas.openxmlformats.org/drawingml/2006/diagram" xmlns:c="http://schemas.openxmlformats.org/drawingml/2006/chart" xmlns="">
       <p:transition/>
     </mc:Fallback>
   </mc:AlternateContent>
@@ -10396,7 +10439,7 @@
     <mc:Choice Requires="p14">
       <p:transition/>
     </mc:Choice>
-    <mc:Fallback xmlns="" xmlns:c="http://schemas.openxmlformats.org/drawingml/2006/chart" xmlns:dgm="http://schemas.openxmlformats.org/drawingml/2006/diagram" xmlns:dsp="http://schemas.microsoft.com/office/drawing/2008/diagram">
+    <mc:Fallback xmlns:dsp="http://schemas.microsoft.com/office/drawing/2008/diagram" xmlns:dgm="http://schemas.openxmlformats.org/drawingml/2006/diagram" xmlns:c="http://schemas.openxmlformats.org/drawingml/2006/chart" xmlns="">
       <p:transition/>
     </mc:Fallback>
   </mc:AlternateContent>
@@ -10674,6 +10717,40 @@
           </a:extLst>
         </p:spPr>
       </p:pic>
+      <p:sp>
+        <p:nvSpPr>
+          <p:cNvPr id="3" name="TextBox 2"/>
+          <p:cNvSpPr txBox="1"/>
+          <p:nvPr/>
+        </p:nvSpPr>
+        <p:spPr>
+          <a:xfrm>
+            <a:off x="12068653" y="10107490"/>
+            <a:ext cx="3660297" cy="369332"/>
+          </a:xfrm>
+          <a:prstGeom prst="rect">
+            <a:avLst/>
+          </a:prstGeom>
+          <a:noFill/>
+        </p:spPr>
+        <p:txBody>
+          <a:bodyPr wrap="none" rtlCol="0">
+            <a:spAutoFit/>
+          </a:bodyPr>
+          <a:lstStyle/>
+          <a:p>
+            <a:r>
+              <a:rPr lang="en-US" altLang="ko-KR" dirty="0" smtClean="0"/>
+              <a:t>Image Ref : http</a:t>
+            </a:r>
+            <a:r>
+              <a:rPr lang="en-US" altLang="ko-KR" dirty="0"/>
+              <a:t>://naver.me/Gslf7Pth</a:t>
+            </a:r>
+            <a:endParaRPr lang="ko-KR" altLang="en-US" dirty="0"/>
+          </a:p>
+        </p:txBody>
+      </p:sp>
     </p:spTree>
   </p:cSld>
   <p:clrMapOvr>
@@ -10683,7 +10760,7 @@
     <mc:Choice Requires="p14">
       <p:transition/>
     </mc:Choice>
-    <mc:Fallback xmlns="" xmlns:c="http://schemas.openxmlformats.org/drawingml/2006/chart" xmlns:dgm="http://schemas.openxmlformats.org/drawingml/2006/diagram" xmlns:dsp="http://schemas.microsoft.com/office/drawing/2008/diagram">
+    <mc:Fallback xmlns:dsp="http://schemas.microsoft.com/office/drawing/2008/diagram" xmlns:dgm="http://schemas.openxmlformats.org/drawingml/2006/diagram" xmlns:c="http://schemas.openxmlformats.org/drawingml/2006/chart" xmlns="">
       <p:transition/>
     </mc:Fallback>
   </mc:AlternateContent>
@@ -10963,7 +11040,7 @@
         <p:spPr>
           <a:xfrm>
             <a:off x="2840492" y="7985760"/>
-            <a:ext cx="14335976" cy="2308324"/>
+            <a:ext cx="14335976" cy="2585323"/>
           </a:xfrm>
           <a:prstGeom prst="rect">
             <a:avLst/>
@@ -11147,18 +11224,32 @@
           </a:p>
           <a:p>
             <a:r>
+              <a:rPr lang="en-US" altLang="ko-KR" dirty="0" smtClean="0">
+                <a:latin typeface="+mn-ea"/>
+                <a:hlinkClick r:id="rId5"/>
+              </a:rPr>
+              <a:t>Ref</a:t>
+            </a:r>
+            <a:r>
               <a:rPr lang="ko-KR" altLang="en-US" dirty="0" smtClean="0">
                 <a:latin typeface="+mn-ea"/>
                 <a:hlinkClick r:id="rId5"/>
               </a:rPr>
-              <a:t>출처 </a:t>
+              <a:t> </a:t>
             </a:r>
             <a:r>
               <a:rPr lang="en-US" altLang="ko-KR" dirty="0" smtClean="0">
                 <a:latin typeface="+mn-ea"/>
                 <a:hlinkClick r:id="rId5"/>
               </a:rPr>
-              <a:t>: http</a:t>
+              <a:t>: </a:t>
+            </a:r>
+            <a:r>
+              <a:rPr lang="en-US" altLang="ko-KR" dirty="0" smtClean="0">
+                <a:latin typeface="+mn-ea"/>
+                <a:hlinkClick r:id="rId5"/>
+              </a:rPr>
+              <a:t>http</a:t>
             </a:r>
             <a:r>
               <a:rPr lang="en-US" altLang="ko-KR" dirty="0">
@@ -11173,6 +11264,17 @@
                 <a:hlinkClick r:id="rId5"/>
               </a:rPr>
               <a:t>www.snuh.org/health/nMedInfo/nView.do?category=DIS&amp;medid=AA000196</a:t>
+            </a:r>
+            <a:endParaRPr lang="en-US" altLang="ko-KR" dirty="0" smtClean="0">
+              <a:latin typeface="+mn-ea"/>
+            </a:endParaRPr>
+          </a:p>
+          <a:p>
+            <a:r>
+              <a:rPr lang="en-US" altLang="ko-KR" dirty="0">
+                <a:latin typeface="+mn-ea"/>
+              </a:rPr>
+              <a:t>Image Ref : https://m.blog.naver.com/anzyme/221149697273</a:t>
             </a:r>
             <a:endParaRPr lang="en-US" altLang="ko-KR" dirty="0">
               <a:latin typeface="+mn-ea"/>
@@ -11189,7 +11291,7 @@
     <mc:Choice Requires="p14">
       <p:transition/>
     </mc:Choice>
-    <mc:Fallback xmlns="" xmlns:c="http://schemas.openxmlformats.org/drawingml/2006/chart" xmlns:dgm="http://schemas.openxmlformats.org/drawingml/2006/diagram" xmlns:dsp="http://schemas.microsoft.com/office/drawing/2008/diagram">
+    <mc:Fallback xmlns:dsp="http://schemas.microsoft.com/office/drawing/2008/diagram" xmlns:dgm="http://schemas.openxmlformats.org/drawingml/2006/diagram" xmlns:c="http://schemas.openxmlformats.org/drawingml/2006/chart" xmlns="">
       <p:transition/>
     </mc:Fallback>
   </mc:AlternateContent>
@@ -11271,7 +11373,7 @@
         <p:spPr>
           <a:xfrm>
             <a:off x="1007029" y="1962721"/>
-            <a:ext cx="18073156" cy="1556836"/>
+            <a:ext cx="18073156" cy="2000548"/>
           </a:xfrm>
           <a:prstGeom prst="rect">
             <a:avLst/>
@@ -11322,7 +11424,51 @@
               <a:rPr lang="en-US" altLang="ko-KR" sz="2800" spc="-325" dirty="0" smtClean="0">
                 <a:latin typeface="나눔고딕OTF ExtraBold"/>
               </a:rPr>
-              <a:t> : Radiologist-Level Pneumonia Detection on Chest X-Rays with Deep </a:t>
+              <a:t> : Radiologist-Level Pneumonia Detection on Chest X-Rays with </a:t>
+            </a:r>
+            <a:r>
+              <a:rPr lang="en-US" altLang="ko-KR" sz="2800" spc="-325" dirty="0" smtClean="0">
+                <a:latin typeface="나눔고딕OTF ExtraBold"/>
+              </a:rPr>
+              <a:t>Deep</a:t>
+            </a:r>
+          </a:p>
+          <a:p>
+            <a:pPr marL="12700">
+              <a:spcBef>
+                <a:spcPts val="100"/>
+              </a:spcBef>
+              <a:defRPr/>
+            </a:pPr>
+            <a:r>
+              <a:rPr lang="en-US" altLang="ko-KR" sz="2800" spc="-325" dirty="0" smtClean="0">
+                <a:latin typeface="나눔고딕OTF ExtraBold"/>
+              </a:rPr>
+              <a:t>Paper Ref</a:t>
+            </a:r>
+            <a:r>
+              <a:rPr lang="ko-KR" altLang="en-US" sz="2800" spc="-325" dirty="0" smtClean="0">
+                <a:latin typeface="나눔고딕OTF ExtraBold"/>
+              </a:rPr>
+              <a:t> </a:t>
+            </a:r>
+            <a:r>
+              <a:rPr lang="en-US" altLang="ko-KR" sz="2800" spc="-325" dirty="0">
+                <a:latin typeface="나눔고딕OTF ExtraBold"/>
+              </a:rPr>
+              <a:t>: https://arxiv.org/abs/1711.05225</a:t>
+            </a:r>
+            <a:r>
+              <a:rPr lang="en-US" altLang="ko-KR" sz="2800" spc="-325" dirty="0" smtClean="0">
+                <a:latin typeface="나눔고딕OTF ExtraBold"/>
+              </a:rPr>
+              <a:t> </a:t>
+            </a:r>
+            <a:r>
+              <a:rPr lang="en-US" altLang="ko-KR" sz="2800" spc="-325" dirty="0" smtClean="0">
+                <a:latin typeface="나눔고딕OTF ExtraBold"/>
+              </a:rPr>
+              <a:t/>
             </a:r>
             <a:br>
               <a:rPr lang="en-US" altLang="ko-KR" sz="2800" spc="-325" dirty="0" smtClean="0">
@@ -11491,7 +11637,7 @@
     <mc:Choice Requires="p14">
       <p:transition/>
     </mc:Choice>
-    <mc:Fallback xmlns="" xmlns:c="http://schemas.openxmlformats.org/drawingml/2006/chart" xmlns:dgm="http://schemas.openxmlformats.org/drawingml/2006/diagram" xmlns:dsp="http://schemas.microsoft.com/office/drawing/2008/diagram">
+    <mc:Fallback xmlns:dsp="http://schemas.microsoft.com/office/drawing/2008/diagram" xmlns:dgm="http://schemas.openxmlformats.org/drawingml/2006/diagram" xmlns:c="http://schemas.openxmlformats.org/drawingml/2006/chart" xmlns="">
       <p:transition/>
     </mc:Fallback>
   </mc:AlternateContent>
@@ -11561,82 +11707,6 @@
               <a:t>What are some related studies?</a:t>
             </a:r>
             <a:endParaRPr b="0" spc="-190" dirty="0"/>
-          </a:p>
-        </p:txBody>
-      </p:sp>
-      <p:sp>
-        <p:nvSpPr>
-          <p:cNvPr id="6" name="object 3"/>
-          <p:cNvSpPr txBox="1"/>
-          <p:nvPr/>
-        </p:nvSpPr>
-        <p:spPr>
-          <a:xfrm>
-            <a:off x="1007029" y="1962721"/>
-            <a:ext cx="18073156" cy="1556836"/>
-          </a:xfrm>
-          <a:prstGeom prst="rect">
-            <a:avLst/>
-          </a:prstGeom>
-        </p:spPr>
-        <p:txBody>
-          <a:bodyPr vert="horz" wrap="square" lIns="0" tIns="12700" rIns="0" bIns="0">
-            <a:spAutoFit/>
-          </a:bodyPr>
-          <a:lstStyle/>
-          <a:p>
-            <a:pPr marL="12700">
-              <a:lnSpc>
-                <a:spcPct val="100000"/>
-              </a:lnSpc>
-              <a:spcBef>
-                <a:spcPts val="100"/>
-              </a:spcBef>
-              <a:defRPr/>
-            </a:pPr>
-            <a:r>
-              <a:rPr lang="ko-KR" altLang="en-US" sz="4350" b="1" spc="-325" dirty="0" smtClean="0">
-                <a:latin typeface="나눔고딕OTF ExtraBold"/>
-              </a:rPr>
-              <a:t>관련 연구는 어떠한 것들이 있나</a:t>
-            </a:r>
-            <a:r>
-              <a:rPr lang="en-US" altLang="ko-KR" sz="4350" b="1" spc="-325" dirty="0" smtClean="0">
-                <a:latin typeface="나눔고딕OTF ExtraBold"/>
-              </a:rPr>
-              <a:t>?</a:t>
-            </a:r>
-          </a:p>
-          <a:p>
-            <a:pPr marL="12700">
-              <a:spcBef>
-                <a:spcPts val="100"/>
-              </a:spcBef>
-              <a:defRPr/>
-            </a:pPr>
-            <a:r>
-              <a:rPr lang="en-US" altLang="ko-KR" sz="2800" spc="-325" dirty="0" err="1" smtClean="0">
-                <a:latin typeface="나눔고딕OTF ExtraBold"/>
-              </a:rPr>
-              <a:t>CheXNet</a:t>
-            </a:r>
-            <a:r>
-              <a:rPr lang="en-US" altLang="ko-KR" sz="2800" spc="-325" dirty="0" smtClean="0">
-                <a:latin typeface="나눔고딕OTF ExtraBold"/>
-              </a:rPr>
-              <a:t> : Radiologist-Level Pneumonia Detection on Chest X-Rays with Deep </a:t>
-            </a:r>
-            <a:br>
-              <a:rPr lang="en-US" altLang="ko-KR" sz="2800" spc="-325" dirty="0" smtClean="0">
-                <a:latin typeface="나눔고딕OTF ExtraBold"/>
-              </a:rPr>
-            </a:br>
-            <a:r>
-              <a:rPr lang="en-US" altLang="ko-KR" sz="2800" spc="-325" dirty="0" smtClean="0">
-                <a:latin typeface="나눔고딕OTF ExtraBold"/>
-              </a:rPr>
-              <a:t>-&gt; DenseNet121 + Sigmoid(train)</a:t>
-            </a:r>
           </a:p>
         </p:txBody>
       </p:sp>
@@ -11731,6 +11801,126 @@
           </a:prstGeom>
         </p:spPr>
       </p:pic>
+      <p:sp>
+        <p:nvSpPr>
+          <p:cNvPr id="8" name="object 3"/>
+          <p:cNvSpPr txBox="1"/>
+          <p:nvPr/>
+        </p:nvSpPr>
+        <p:spPr>
+          <a:xfrm>
+            <a:off x="1007029" y="1962721"/>
+            <a:ext cx="18073156" cy="2000548"/>
+          </a:xfrm>
+          <a:prstGeom prst="rect">
+            <a:avLst/>
+          </a:prstGeom>
+        </p:spPr>
+        <p:txBody>
+          <a:bodyPr vert="horz" wrap="square" lIns="0" tIns="12700" rIns="0" bIns="0">
+            <a:spAutoFit/>
+          </a:bodyPr>
+          <a:lstStyle/>
+          <a:p>
+            <a:pPr marL="12700">
+              <a:lnSpc>
+                <a:spcPct val="100000"/>
+              </a:lnSpc>
+              <a:spcBef>
+                <a:spcPts val="100"/>
+              </a:spcBef>
+              <a:defRPr/>
+            </a:pPr>
+            <a:r>
+              <a:rPr lang="ko-KR" altLang="en-US" sz="4350" b="1" spc="-325" dirty="0" smtClean="0">
+                <a:latin typeface="나눔고딕OTF ExtraBold"/>
+              </a:rPr>
+              <a:t>관련 연구는 어떠한 것들이 있나</a:t>
+            </a:r>
+            <a:r>
+              <a:rPr lang="en-US" altLang="ko-KR" sz="4350" b="1" spc="-325" dirty="0" smtClean="0">
+                <a:latin typeface="나눔고딕OTF ExtraBold"/>
+              </a:rPr>
+              <a:t>?</a:t>
+            </a:r>
+          </a:p>
+          <a:p>
+            <a:pPr marL="12700">
+              <a:spcBef>
+                <a:spcPts val="100"/>
+              </a:spcBef>
+              <a:defRPr/>
+            </a:pPr>
+            <a:r>
+              <a:rPr lang="en-US" altLang="ko-KR" sz="2800" spc="-325" dirty="0" err="1" smtClean="0">
+                <a:latin typeface="나눔고딕OTF ExtraBold"/>
+              </a:rPr>
+              <a:t>CheXNet</a:t>
+            </a:r>
+            <a:r>
+              <a:rPr lang="en-US" altLang="ko-KR" sz="2800" spc="-325" dirty="0" smtClean="0">
+                <a:latin typeface="나눔고딕OTF ExtraBold"/>
+              </a:rPr>
+              <a:t> : Radiologist-Level Pneumonia Detection on Chest X-Rays with </a:t>
+            </a:r>
+            <a:r>
+              <a:rPr lang="en-US" altLang="ko-KR" sz="2800" spc="-325" dirty="0" smtClean="0">
+                <a:latin typeface="나눔고딕OTF ExtraBold"/>
+              </a:rPr>
+              <a:t>Deep</a:t>
+            </a:r>
+          </a:p>
+          <a:p>
+            <a:pPr marL="12700">
+              <a:spcBef>
+                <a:spcPts val="100"/>
+              </a:spcBef>
+              <a:defRPr/>
+            </a:pPr>
+            <a:r>
+              <a:rPr lang="en-US" altLang="ko-KR" sz="2800" spc="-325" dirty="0" smtClean="0">
+                <a:latin typeface="나눔고딕OTF ExtraBold"/>
+              </a:rPr>
+              <a:t>Paper Ref</a:t>
+            </a:r>
+            <a:r>
+              <a:rPr lang="ko-KR" altLang="en-US" sz="2800" spc="-325" dirty="0" smtClean="0">
+                <a:latin typeface="나눔고딕OTF ExtraBold"/>
+              </a:rPr>
+              <a:t> </a:t>
+            </a:r>
+            <a:r>
+              <a:rPr lang="en-US" altLang="ko-KR" sz="2800" spc="-325" dirty="0">
+                <a:latin typeface="나눔고딕OTF ExtraBold"/>
+              </a:rPr>
+              <a:t>: https://arxiv.org/abs/1711.05225</a:t>
+            </a:r>
+            <a:r>
+              <a:rPr lang="en-US" altLang="ko-KR" sz="2800" spc="-325" dirty="0" smtClean="0">
+                <a:latin typeface="나눔고딕OTF ExtraBold"/>
+              </a:rPr>
+              <a:t> </a:t>
+            </a:r>
+            <a:r>
+              <a:rPr lang="en-US" altLang="ko-KR" sz="2800" spc="-325" dirty="0" smtClean="0">
+                <a:latin typeface="나눔고딕OTF ExtraBold"/>
+              </a:rPr>
+              <a:t/>
+            </a:r>
+            <a:br>
+              <a:rPr lang="en-US" altLang="ko-KR" sz="2800" spc="-325" dirty="0" smtClean="0">
+                <a:latin typeface="나눔고딕OTF ExtraBold"/>
+              </a:rPr>
+            </a:br>
+            <a:r>
+              <a:rPr lang="en-US" altLang="ko-KR" sz="2800" spc="-325" dirty="0" smtClean="0">
+                <a:latin typeface="나눔고딕OTF ExtraBold"/>
+              </a:rPr>
+              <a:t>-&gt; DenseNet121 + Sigmoid(train)</a:t>
+            </a:r>
+          </a:p>
+        </p:txBody>
+      </p:sp>
     </p:spTree>
     <p:extLst>
       <p:ext uri="{BB962C8B-B14F-4D97-AF65-F5344CB8AC3E}">
@@ -11745,7 +11935,7 @@
     <mc:Choice Requires="p14">
       <p:transition/>
     </mc:Choice>
-    <mc:Fallback xmlns="" xmlns:c="http://schemas.openxmlformats.org/drawingml/2006/chart" xmlns:dgm="http://schemas.openxmlformats.org/drawingml/2006/diagram" xmlns:dsp="http://schemas.microsoft.com/office/drawing/2008/diagram">
+    <mc:Fallback xmlns:dsp="http://schemas.microsoft.com/office/drawing/2008/diagram" xmlns:dgm="http://schemas.openxmlformats.org/drawingml/2006/diagram" xmlns:c="http://schemas.openxmlformats.org/drawingml/2006/chart" xmlns="">
       <p:transition/>
     </mc:Fallback>
   </mc:AlternateContent>
@@ -11827,7 +12017,7 @@
         <p:spPr>
           <a:xfrm>
             <a:off x="1007029" y="1962721"/>
-            <a:ext cx="18073156" cy="1569660"/>
+            <a:ext cx="18073156" cy="2013372"/>
           </a:xfrm>
           <a:prstGeom prst="rect">
             <a:avLst/>
@@ -11878,8 +12068,46 @@
               <a:rPr lang="en-US" altLang="ko-KR" sz="2800" spc="-325" dirty="0" smtClean="0">
                 <a:latin typeface="나눔고딕OTF ExtraBold"/>
               </a:rPr>
-              <a:t>Fully automatic knee osteoarthritis severity grading using deep neural networks with a novel ordinal loss</a:t>
-            </a:r>
+              <a:t>Fully automatic knee osteoarthritis severity grading using deep neural networks with a novel ordinal </a:t>
+            </a:r>
+            <a:r>
+              <a:rPr lang="en-US" altLang="ko-KR" sz="2800" spc="-325" dirty="0" smtClean="0">
+                <a:latin typeface="나눔고딕OTF ExtraBold"/>
+              </a:rPr>
+              <a:t>loss</a:t>
+            </a:r>
+          </a:p>
+          <a:p>
+            <a:pPr marL="12700">
+              <a:lnSpc>
+                <a:spcPct val="100000"/>
+              </a:lnSpc>
+              <a:spcBef>
+                <a:spcPts val="100"/>
+              </a:spcBef>
+              <a:defRPr/>
+            </a:pPr>
+            <a:r>
+              <a:rPr lang="en-US" altLang="ko-KR" sz="2800" spc="-325" dirty="0" smtClean="0">
+                <a:latin typeface="나눔고딕OTF ExtraBold"/>
+              </a:rPr>
+              <a:t>Paper Ref</a:t>
+            </a:r>
+            <a:r>
+              <a:rPr lang="ko-KR" altLang="en-US" sz="2800" spc="-325" dirty="0" smtClean="0">
+                <a:latin typeface="나눔고딕OTF ExtraBold"/>
+              </a:rPr>
+              <a:t> </a:t>
+            </a:r>
+            <a:r>
+              <a:rPr lang="en-US" altLang="ko-KR" sz="2800" spc="-325" dirty="0">
+                <a:latin typeface="나눔고딕OTF ExtraBold"/>
+              </a:rPr>
+              <a:t>: https://www.sciencedirect.com/science/article/abs/pii/S0895611118304956</a:t>
+            </a:r>
+            <a:endParaRPr lang="en-US" altLang="ko-KR" sz="2800" spc="-325" dirty="0" smtClean="0">
+              <a:latin typeface="나눔고딕OTF ExtraBold"/>
+            </a:endParaRPr>
           </a:p>
           <a:p>
             <a:pPr marL="12700">
@@ -12014,7 +12242,7 @@
     <mc:Choice Requires="p14">
       <p:transition/>
     </mc:Choice>
-    <mc:Fallback xmlns="" xmlns:c="http://schemas.openxmlformats.org/drawingml/2006/chart" xmlns:dgm="http://schemas.openxmlformats.org/drawingml/2006/diagram" xmlns:dsp="http://schemas.microsoft.com/office/drawing/2008/diagram">
+    <mc:Fallback xmlns:dsp="http://schemas.microsoft.com/office/drawing/2008/diagram" xmlns:dgm="http://schemas.openxmlformats.org/drawingml/2006/diagram" xmlns:c="http://schemas.openxmlformats.org/drawingml/2006/chart" xmlns="">
       <p:transition/>
     </mc:Fallback>
   </mc:AlternateContent>
@@ -12096,7 +12324,7 @@
         <p:spPr>
           <a:xfrm>
             <a:off x="1007029" y="1962721"/>
-            <a:ext cx="18073156" cy="1125949"/>
+            <a:ext cx="18073156" cy="1569660"/>
           </a:xfrm>
           <a:prstGeom prst="rect">
             <a:avLst/>
@@ -12155,6 +12383,32 @@
               </a:rPr>
               <a:t>Severity</a:t>
             </a:r>
+          </a:p>
+          <a:p>
+            <a:pPr marL="12700">
+              <a:lnSpc>
+                <a:spcPct val="100000"/>
+              </a:lnSpc>
+              <a:spcBef>
+                <a:spcPts val="100"/>
+              </a:spcBef>
+              <a:defRPr/>
+            </a:pPr>
+            <a:r>
+              <a:rPr lang="en-US" altLang="ko-KR" sz="2800" spc="-325" dirty="0" smtClean="0">
+                <a:latin typeface="나눔고딕OTF ExtraBold"/>
+              </a:rPr>
+              <a:t>Paper Ref </a:t>
+            </a:r>
+            <a:r>
+              <a:rPr lang="en-US" altLang="ko-KR" sz="2800" spc="-325" dirty="0">
+                <a:latin typeface="나눔고딕OTF ExtraBold"/>
+              </a:rPr>
+              <a:t>: https://link.springer.com/chapter/10.1007/978-3-319-62416-7_27</a:t>
+            </a:r>
+            <a:endParaRPr lang="en-US" altLang="ko-KR" sz="2800" spc="-325" dirty="0" smtClean="0">
+              <a:latin typeface="나눔고딕OTF ExtraBold"/>
+            </a:endParaRPr>
           </a:p>
         </p:txBody>
       </p:sp>
@@ -12263,7 +12517,7 @@
     <mc:Choice Requires="p14">
       <p:transition/>
     </mc:Choice>
-    <mc:Fallback xmlns="" xmlns:c="http://schemas.openxmlformats.org/drawingml/2006/chart" xmlns:dgm="http://schemas.openxmlformats.org/drawingml/2006/diagram" xmlns:dsp="http://schemas.microsoft.com/office/drawing/2008/diagram">
+    <mc:Fallback xmlns:dsp="http://schemas.microsoft.com/office/drawing/2008/diagram" xmlns:dgm="http://schemas.openxmlformats.org/drawingml/2006/diagram" xmlns:c="http://schemas.openxmlformats.org/drawingml/2006/chart" xmlns="">
       <p:transition/>
     </mc:Fallback>
   </mc:AlternateContent>
@@ -12345,7 +12599,7 @@
         <p:spPr>
           <a:xfrm>
             <a:off x="1007029" y="1962721"/>
-            <a:ext cx="18073156" cy="1125949"/>
+            <a:ext cx="18073156" cy="1569660"/>
           </a:xfrm>
           <a:prstGeom prst="rect">
             <a:avLst/>
@@ -12396,8 +12650,40 @@
               <a:rPr lang="en-US" altLang="ko-KR" sz="2800" spc="-325" dirty="0">
                 <a:latin typeface="나눔고딕OTF ExtraBold"/>
               </a:rPr>
-              <a:t>Automated Classification of Radiographic Knee Osteoarthritis Severity Using Deep Neural Networks</a:t>
-            </a:r>
+              <a:t>Automated Classification of Radiographic Knee Osteoarthritis Severity Using Deep Neural </a:t>
+            </a:r>
+            <a:r>
+              <a:rPr lang="en-US" altLang="ko-KR" sz="2800" spc="-325" dirty="0" smtClean="0">
+                <a:latin typeface="나눔고딕OTF ExtraBold"/>
+              </a:rPr>
+              <a:t>Networks</a:t>
+            </a:r>
+          </a:p>
+          <a:p>
+            <a:pPr marL="12700">
+              <a:lnSpc>
+                <a:spcPct val="100000"/>
+              </a:lnSpc>
+              <a:spcBef>
+                <a:spcPts val="100"/>
+              </a:spcBef>
+              <a:defRPr/>
+            </a:pPr>
+            <a:r>
+              <a:rPr lang="en-US" altLang="ko-KR" sz="2800" spc="-325" dirty="0" smtClean="0">
+                <a:latin typeface="나눔고딕OTF ExtraBold"/>
+              </a:rPr>
+              <a:t>Paper Ref </a:t>
+            </a:r>
+            <a:r>
+              <a:rPr lang="en-US" altLang="ko-KR" sz="2800" spc="-325" dirty="0">
+                <a:latin typeface="나눔고딕OTF ExtraBold"/>
+              </a:rPr>
+              <a:t>: https://pubmed.ncbi.nlm.nih.gov/32280948/</a:t>
+            </a:r>
+            <a:endParaRPr lang="en-US" altLang="ko-KR" sz="2800" spc="-325" dirty="0">
+              <a:latin typeface="나눔고딕OTF ExtraBold"/>
+            </a:endParaRPr>
           </a:p>
         </p:txBody>
       </p:sp>
@@ -12506,7 +12792,7 @@
     <mc:Choice Requires="p14">
       <p:transition/>
     </mc:Choice>
-    <mc:Fallback xmlns="" xmlns:c="http://schemas.openxmlformats.org/drawingml/2006/chart" xmlns:dgm="http://schemas.openxmlformats.org/drawingml/2006/diagram" xmlns:dsp="http://schemas.microsoft.com/office/drawing/2008/diagram">
+    <mc:Fallback xmlns:dsp="http://schemas.microsoft.com/office/drawing/2008/diagram" xmlns:dgm="http://schemas.openxmlformats.org/drawingml/2006/diagram" xmlns:c="http://schemas.openxmlformats.org/drawingml/2006/chart" xmlns="">
       <p:transition/>
     </mc:Fallback>
   </mc:AlternateContent>
@@ -12588,7 +12874,7 @@
         <p:spPr>
           <a:xfrm>
             <a:off x="1007029" y="1962721"/>
-            <a:ext cx="18073156" cy="1125949"/>
+            <a:ext cx="18073156" cy="1569660"/>
           </a:xfrm>
           <a:prstGeom prst="rect">
             <a:avLst/>
@@ -12639,7 +12925,36 @@
               <a:rPr lang="en-US" altLang="ko-KR" sz="2800" spc="-325" dirty="0">
                 <a:latin typeface="나눔고딕OTF ExtraBold"/>
               </a:rPr>
-              <a:t>Automated Classification of Radiographic Knee Osteoarthritis Severity Using Deep Neural Networks</a:t>
+              <a:t>Automated Classification of Radiographic Knee Osteoarthritis Severity Using Deep Neural </a:t>
+            </a:r>
+            <a:r>
+              <a:rPr lang="en-US" altLang="ko-KR" sz="2800" spc="-325" dirty="0" smtClean="0">
+                <a:latin typeface="나눔고딕OTF ExtraBold"/>
+              </a:rPr>
+              <a:t>Networks</a:t>
+            </a:r>
+          </a:p>
+          <a:p>
+            <a:pPr marL="12700">
+              <a:lnSpc>
+                <a:spcPct val="100000"/>
+              </a:lnSpc>
+              <a:spcBef>
+                <a:spcPts val="100"/>
+              </a:spcBef>
+              <a:defRPr/>
+            </a:pPr>
+            <a:r>
+              <a:rPr lang="en-US" altLang="ko-KR" sz="2800" spc="-325" dirty="0" smtClean="0">
+                <a:latin typeface="나눔고딕OTF ExtraBold"/>
+              </a:rPr>
+              <a:t>Paper Ref </a:t>
+            </a:r>
+            <a:r>
+              <a:rPr lang="en-US" altLang="ko-KR" sz="2800" spc="-325" dirty="0">
+                <a:latin typeface="나눔고딕OTF ExtraBold"/>
+              </a:rPr>
+              <a:t>: https://pubmed.ncbi.nlm.nih.gov/32280948/</a:t>
             </a:r>
             <a:endParaRPr lang="en-US" altLang="ko-KR" sz="2800" spc="-325" dirty="0" smtClean="0">
               <a:latin typeface="나눔고딕OTF ExtraBold"/>
@@ -12752,7 +13067,7 @@
     <mc:Choice Requires="p14">
       <p:transition/>
     </mc:Choice>
-    <mc:Fallback xmlns="" xmlns:c="http://schemas.openxmlformats.org/drawingml/2006/chart" xmlns:dgm="http://schemas.openxmlformats.org/drawingml/2006/diagram" xmlns:dsp="http://schemas.microsoft.com/office/drawing/2008/diagram">
+    <mc:Fallback xmlns:dsp="http://schemas.microsoft.com/office/drawing/2008/diagram" xmlns:dgm="http://schemas.openxmlformats.org/drawingml/2006/diagram" xmlns:c="http://schemas.openxmlformats.org/drawingml/2006/chart" xmlns="">
       <p:transition/>
     </mc:Fallback>
   </mc:AlternateContent>
